--- a/KnowYourLanguage/Prezentari/Handling Exceptions.pptx
+++ b/KnowYourLanguage/Prezentari/Handling Exceptions.pptx
@@ -237,7 +237,7 @@
   </p:defaultTextStyle>
   <p:extLst>
     <p:ext uri="{EFAFB233-063F-42B5-8137-9DF3F51BA10A}">
-      <p15:sldGuideLst xmlns="" xmlns:p15="http://schemas.microsoft.com/office/powerpoint/2012/main"/>
+      <p15:sldGuideLst xmlns:p15="http://schemas.microsoft.com/office/powerpoint/2012/main" xmlns=""/>
     </p:ext>
   </p:extLst>
 </p:presentation>
@@ -405,7 +405,7 @@
     </p:spTree>
     <p:extLst>
       <p:ext uri="{BB962C8B-B14F-4D97-AF65-F5344CB8AC3E}">
-        <p14:creationId xmlns="" xmlns:p14="http://schemas.microsoft.com/office/powerpoint/2010/main" val="2018647799"/>
+        <p14:creationId xmlns:p14="http://schemas.microsoft.com/office/powerpoint/2010/main" val="2018647799"/>
       </p:ext>
     </p:extLst>
   </p:cSld>
@@ -611,7 +611,7 @@
     </p:spTree>
     <p:extLst>
       <p:ext uri="{BB962C8B-B14F-4D97-AF65-F5344CB8AC3E}">
-        <p14:creationId xmlns="" xmlns:p14="http://schemas.microsoft.com/office/powerpoint/2010/main" val="4251749964"/>
+        <p14:creationId xmlns:p14="http://schemas.microsoft.com/office/powerpoint/2010/main" val="4251749964"/>
       </p:ext>
     </p:extLst>
   </p:cSld>
@@ -727,7 +727,7 @@
     </p:spTree>
     <p:extLst>
       <p:ext uri="{BB962C8B-B14F-4D97-AF65-F5344CB8AC3E}">
-        <p14:creationId xmlns="" xmlns:p14="http://schemas.microsoft.com/office/powerpoint/2010/main" val="1508893726"/>
+        <p14:creationId xmlns:p14="http://schemas.microsoft.com/office/powerpoint/2010/main" val="1508893726"/>
       </p:ext>
     </p:extLst>
   </p:cSld>
@@ -843,7 +843,7 @@
     </p:spTree>
     <p:extLst>
       <p:ext uri="{BB962C8B-B14F-4D97-AF65-F5344CB8AC3E}">
-        <p14:creationId xmlns="" xmlns:p14="http://schemas.microsoft.com/office/powerpoint/2010/main" val="1508893726"/>
+        <p14:creationId xmlns:p14="http://schemas.microsoft.com/office/powerpoint/2010/main" val="1508893726"/>
       </p:ext>
     </p:extLst>
   </p:cSld>
@@ -959,7 +959,7 @@
     </p:spTree>
     <p:extLst>
       <p:ext uri="{BB962C8B-B14F-4D97-AF65-F5344CB8AC3E}">
-        <p14:creationId xmlns="" xmlns:p14="http://schemas.microsoft.com/office/powerpoint/2010/main" val="306487633"/>
+        <p14:creationId xmlns:p14="http://schemas.microsoft.com/office/powerpoint/2010/main" val="306487633"/>
       </p:ext>
     </p:extLst>
   </p:cSld>
@@ -1075,7 +1075,7 @@
     </p:spTree>
     <p:extLst>
       <p:ext uri="{BB962C8B-B14F-4D97-AF65-F5344CB8AC3E}">
-        <p14:creationId xmlns="" xmlns:p14="http://schemas.microsoft.com/office/powerpoint/2010/main" val="4013935843"/>
+        <p14:creationId xmlns:p14="http://schemas.microsoft.com/office/powerpoint/2010/main" val="4013935843"/>
       </p:ext>
     </p:extLst>
   </p:cSld>
@@ -1191,7 +1191,7 @@
     </p:spTree>
     <p:extLst>
       <p:ext uri="{BB962C8B-B14F-4D97-AF65-F5344CB8AC3E}">
-        <p14:creationId xmlns="" xmlns:p14="http://schemas.microsoft.com/office/powerpoint/2010/main" val="1555361902"/>
+        <p14:creationId xmlns:p14="http://schemas.microsoft.com/office/powerpoint/2010/main" val="1555361902"/>
       </p:ext>
     </p:extLst>
   </p:cSld>
@@ -1307,7 +1307,7 @@
     </p:spTree>
     <p:extLst>
       <p:ext uri="{BB962C8B-B14F-4D97-AF65-F5344CB8AC3E}">
-        <p14:creationId xmlns="" xmlns:p14="http://schemas.microsoft.com/office/powerpoint/2010/main" val="1652273429"/>
+        <p14:creationId xmlns:p14="http://schemas.microsoft.com/office/powerpoint/2010/main" val="1652273429"/>
       </p:ext>
     </p:extLst>
   </p:cSld>
@@ -1423,7 +1423,7 @@
     </p:spTree>
     <p:extLst>
       <p:ext uri="{BB962C8B-B14F-4D97-AF65-F5344CB8AC3E}">
-        <p14:creationId xmlns="" xmlns:p14="http://schemas.microsoft.com/office/powerpoint/2010/main" val="4143856067"/>
+        <p14:creationId xmlns:p14="http://schemas.microsoft.com/office/powerpoint/2010/main" val="4143856067"/>
       </p:ext>
     </p:extLst>
   </p:cSld>
@@ -1539,7 +1539,7 @@
     </p:spTree>
     <p:extLst>
       <p:ext uri="{BB962C8B-B14F-4D97-AF65-F5344CB8AC3E}">
-        <p14:creationId xmlns="" xmlns:p14="http://schemas.microsoft.com/office/powerpoint/2010/main" val="1603281294"/>
+        <p14:creationId xmlns:p14="http://schemas.microsoft.com/office/powerpoint/2010/main" val="1603281294"/>
       </p:ext>
     </p:extLst>
   </p:cSld>
@@ -1655,7 +1655,7 @@
     </p:spTree>
     <p:extLst>
       <p:ext uri="{BB962C8B-B14F-4D97-AF65-F5344CB8AC3E}">
-        <p14:creationId xmlns="" xmlns:p14="http://schemas.microsoft.com/office/powerpoint/2010/main" val="1508893726"/>
+        <p14:creationId xmlns:p14="http://schemas.microsoft.com/office/powerpoint/2010/main" val="1508893726"/>
       </p:ext>
     </p:extLst>
   </p:cSld>
@@ -1771,7 +1771,7 @@
     </p:spTree>
     <p:extLst>
       <p:ext uri="{BB962C8B-B14F-4D97-AF65-F5344CB8AC3E}">
-        <p14:creationId xmlns="" xmlns:p14="http://schemas.microsoft.com/office/powerpoint/2010/main" val="1508893726"/>
+        <p14:creationId xmlns:p14="http://schemas.microsoft.com/office/powerpoint/2010/main" val="1508893726"/>
       </p:ext>
     </p:extLst>
   </p:cSld>
@@ -1887,7 +1887,7 @@
     </p:spTree>
     <p:extLst>
       <p:ext uri="{BB962C8B-B14F-4D97-AF65-F5344CB8AC3E}">
-        <p14:creationId xmlns="" xmlns:p14="http://schemas.microsoft.com/office/powerpoint/2010/main" val="1508893726"/>
+        <p14:creationId xmlns:p14="http://schemas.microsoft.com/office/powerpoint/2010/main" val="1508893726"/>
       </p:ext>
     </p:extLst>
   </p:cSld>
@@ -2003,7 +2003,7 @@
     </p:spTree>
     <p:extLst>
       <p:ext uri="{BB962C8B-B14F-4D97-AF65-F5344CB8AC3E}">
-        <p14:creationId xmlns="" xmlns:p14="http://schemas.microsoft.com/office/powerpoint/2010/main" val="552331556"/>
+        <p14:creationId xmlns:p14="http://schemas.microsoft.com/office/powerpoint/2010/main" val="552331556"/>
       </p:ext>
     </p:extLst>
   </p:cSld>
@@ -2119,7 +2119,7 @@
     </p:spTree>
     <p:extLst>
       <p:ext uri="{BB962C8B-B14F-4D97-AF65-F5344CB8AC3E}">
-        <p14:creationId xmlns="" xmlns:p14="http://schemas.microsoft.com/office/powerpoint/2010/main" val="2498197005"/>
+        <p14:creationId xmlns:p14="http://schemas.microsoft.com/office/powerpoint/2010/main" val="2498197005"/>
       </p:ext>
     </p:extLst>
   </p:cSld>
@@ -2235,7 +2235,7 @@
     </p:spTree>
     <p:extLst>
       <p:ext uri="{BB962C8B-B14F-4D97-AF65-F5344CB8AC3E}">
-        <p14:creationId xmlns="" xmlns:p14="http://schemas.microsoft.com/office/powerpoint/2010/main" val="1508893726"/>
+        <p14:creationId xmlns:p14="http://schemas.microsoft.com/office/powerpoint/2010/main" val="1508893726"/>
       </p:ext>
     </p:extLst>
   </p:cSld>
@@ -2351,7 +2351,7 @@
     </p:spTree>
     <p:extLst>
       <p:ext uri="{BB962C8B-B14F-4D97-AF65-F5344CB8AC3E}">
-        <p14:creationId xmlns="" xmlns:p14="http://schemas.microsoft.com/office/powerpoint/2010/main" val="1508893726"/>
+        <p14:creationId xmlns:p14="http://schemas.microsoft.com/office/powerpoint/2010/main" val="1508893726"/>
       </p:ext>
     </p:extLst>
   </p:cSld>
@@ -2390,7 +2390,7 @@
           <a:blip r:embed="rId2">
             <a:extLst>
               <a:ext uri="{28A0092B-C50C-407E-A947-70E740481C1C}">
-                <a14:useLocalDpi xmlns="" xmlns:a14="http://schemas.microsoft.com/office/drawing/2010/main" val="0"/>
+                <a14:useLocalDpi xmlns:a14="http://schemas.microsoft.com/office/drawing/2010/main" val="0"/>
               </a:ext>
             </a:extLst>
           </a:blip>
@@ -2413,14 +2413,14 @@
           </a:ln>
           <a:extLst>
             <a:ext uri="{909E8E84-426E-40DD-AFC4-6F175D3DCCD1}">
-              <a14:hiddenFill xmlns="" xmlns:a14="http://schemas.microsoft.com/office/drawing/2010/main">
+              <a14:hiddenFill xmlns:a14="http://schemas.microsoft.com/office/drawing/2010/main">
                 <a:solidFill>
                   <a:srgbClr val="FFFFFF"/>
                 </a:solidFill>
               </a14:hiddenFill>
             </a:ext>
             <a:ext uri="{91240B29-F687-4F45-9708-019B960494DF}">
-              <a14:hiddenLine xmlns="" xmlns:a14="http://schemas.microsoft.com/office/drawing/2010/main" w="9525">
+              <a14:hiddenLine xmlns:a14="http://schemas.microsoft.com/office/drawing/2010/main" w="9525">
                 <a:solidFill>
                   <a:srgbClr val="000000"/>
                 </a:solidFill>
@@ -2444,7 +2444,7 @@
           <a:blip r:embed="rId3">
             <a:extLst>
               <a:ext uri="{28A0092B-C50C-407E-A947-70E740481C1C}">
-                <a14:useLocalDpi xmlns="" xmlns:a14="http://schemas.microsoft.com/office/drawing/2010/main" val="0"/>
+                <a14:useLocalDpi xmlns:a14="http://schemas.microsoft.com/office/drawing/2010/main" val="0"/>
               </a:ext>
             </a:extLst>
           </a:blip>
@@ -2467,14 +2467,14 @@
           </a:ln>
           <a:extLst>
             <a:ext uri="{909E8E84-426E-40DD-AFC4-6F175D3DCCD1}">
-              <a14:hiddenFill xmlns="" xmlns:a14="http://schemas.microsoft.com/office/drawing/2010/main">
+              <a14:hiddenFill xmlns:a14="http://schemas.microsoft.com/office/drawing/2010/main">
                 <a:solidFill>
                   <a:srgbClr val="FFFFFF"/>
                 </a:solidFill>
               </a14:hiddenFill>
             </a:ext>
             <a:ext uri="{91240B29-F687-4F45-9708-019B960494DF}">
-              <a14:hiddenLine xmlns="" xmlns:a14="http://schemas.microsoft.com/office/drawing/2010/main" w="9525">
+              <a14:hiddenLine xmlns:a14="http://schemas.microsoft.com/office/drawing/2010/main" w="9525">
                 <a:solidFill>
                   <a:srgbClr val="000000"/>
                 </a:solidFill>
@@ -2527,7 +2527,7 @@
     </p:spTree>
     <p:extLst>
       <p:ext uri="{BB962C8B-B14F-4D97-AF65-F5344CB8AC3E}">
-        <p14:creationId xmlns="" xmlns:p14="http://schemas.microsoft.com/office/powerpoint/2010/main" val="2543746371"/>
+        <p14:creationId xmlns:p14="http://schemas.microsoft.com/office/powerpoint/2010/main" val="2543746371"/>
       </p:ext>
     </p:extLst>
   </p:cSld>
@@ -2802,7 +2802,7 @@
     </p:spTree>
     <p:extLst>
       <p:ext uri="{BB962C8B-B14F-4D97-AF65-F5344CB8AC3E}">
-        <p14:creationId xmlns="" xmlns:p14="http://schemas.microsoft.com/office/powerpoint/2010/main" val="2714775667"/>
+        <p14:creationId xmlns:p14="http://schemas.microsoft.com/office/powerpoint/2010/main" val="2714775667"/>
       </p:ext>
     </p:extLst>
   </p:cSld>
@@ -2841,7 +2841,7 @@
           <a:blip r:embed="rId2">
             <a:extLst>
               <a:ext uri="{28A0092B-C50C-407E-A947-70E740481C1C}">
-                <a14:useLocalDpi xmlns="" xmlns:a14="http://schemas.microsoft.com/office/drawing/2010/main" val="0"/>
+                <a14:useLocalDpi xmlns:a14="http://schemas.microsoft.com/office/drawing/2010/main" val="0"/>
               </a:ext>
             </a:extLst>
           </a:blip>
@@ -2864,14 +2864,14 @@
           </a:ln>
           <a:extLst>
             <a:ext uri="{909E8E84-426E-40DD-AFC4-6F175D3DCCD1}">
-              <a14:hiddenFill xmlns="" xmlns:a14="http://schemas.microsoft.com/office/drawing/2010/main">
+              <a14:hiddenFill xmlns:a14="http://schemas.microsoft.com/office/drawing/2010/main">
                 <a:solidFill>
                   <a:srgbClr val="FFFFFF"/>
                 </a:solidFill>
               </a14:hiddenFill>
             </a:ext>
             <a:ext uri="{91240B29-F687-4F45-9708-019B960494DF}">
-              <a14:hiddenLine xmlns="" xmlns:a14="http://schemas.microsoft.com/office/drawing/2010/main" w="9525">
+              <a14:hiddenLine xmlns:a14="http://schemas.microsoft.com/office/drawing/2010/main" w="9525">
                 <a:solidFill>
                   <a:srgbClr val="000000"/>
                 </a:solidFill>
@@ -2895,7 +2895,7 @@
           <a:blip r:embed="rId3">
             <a:extLst>
               <a:ext uri="{28A0092B-C50C-407E-A947-70E740481C1C}">
-                <a14:useLocalDpi xmlns="" xmlns:a14="http://schemas.microsoft.com/office/drawing/2010/main" val="0"/>
+                <a14:useLocalDpi xmlns:a14="http://schemas.microsoft.com/office/drawing/2010/main" val="0"/>
               </a:ext>
             </a:extLst>
           </a:blip>
@@ -2918,14 +2918,14 @@
           </a:ln>
           <a:extLst>
             <a:ext uri="{909E8E84-426E-40DD-AFC4-6F175D3DCCD1}">
-              <a14:hiddenFill xmlns="" xmlns:a14="http://schemas.microsoft.com/office/drawing/2010/main">
+              <a14:hiddenFill xmlns:a14="http://schemas.microsoft.com/office/drawing/2010/main">
                 <a:solidFill>
                   <a:srgbClr val="FFFFFF"/>
                 </a:solidFill>
               </a14:hiddenFill>
             </a:ext>
             <a:ext uri="{91240B29-F687-4F45-9708-019B960494DF}">
-              <a14:hiddenLine xmlns="" xmlns:a14="http://schemas.microsoft.com/office/drawing/2010/main" w="9525">
+              <a14:hiddenLine xmlns:a14="http://schemas.microsoft.com/office/drawing/2010/main" w="9525">
                 <a:solidFill>
                   <a:srgbClr val="000000"/>
                 </a:solidFill>
@@ -3097,7 +3097,7 @@
     </p:spTree>
     <p:extLst>
       <p:ext uri="{BB962C8B-B14F-4D97-AF65-F5344CB8AC3E}">
-        <p14:creationId xmlns="" xmlns:p14="http://schemas.microsoft.com/office/powerpoint/2010/main" val="3232426964"/>
+        <p14:creationId xmlns:p14="http://schemas.microsoft.com/office/powerpoint/2010/main" val="3232426964"/>
       </p:ext>
     </p:extLst>
   </p:cSld>
@@ -3136,7 +3136,7 @@
           <a:blip r:embed="rId2">
             <a:extLst>
               <a:ext uri="{28A0092B-C50C-407E-A947-70E740481C1C}">
-                <a14:useLocalDpi xmlns="" xmlns:a14="http://schemas.microsoft.com/office/drawing/2010/main" val="0"/>
+                <a14:useLocalDpi xmlns:a14="http://schemas.microsoft.com/office/drawing/2010/main" val="0"/>
               </a:ext>
             </a:extLst>
           </a:blip>
@@ -3159,14 +3159,14 @@
           </a:ln>
           <a:extLst>
             <a:ext uri="{909E8E84-426E-40DD-AFC4-6F175D3DCCD1}">
-              <a14:hiddenFill xmlns="" xmlns:a14="http://schemas.microsoft.com/office/drawing/2010/main">
+              <a14:hiddenFill xmlns:a14="http://schemas.microsoft.com/office/drawing/2010/main">
                 <a:solidFill>
                   <a:srgbClr val="FFFFFF"/>
                 </a:solidFill>
               </a14:hiddenFill>
             </a:ext>
             <a:ext uri="{91240B29-F687-4F45-9708-019B960494DF}">
-              <a14:hiddenLine xmlns="" xmlns:a14="http://schemas.microsoft.com/office/drawing/2010/main" w="9525">
+              <a14:hiddenLine xmlns:a14="http://schemas.microsoft.com/office/drawing/2010/main" w="9525">
                 <a:solidFill>
                   <a:srgbClr val="000000"/>
                 </a:solidFill>
@@ -3190,7 +3190,7 @@
           <a:blip r:embed="rId3">
             <a:extLst>
               <a:ext uri="{28A0092B-C50C-407E-A947-70E740481C1C}">
-                <a14:useLocalDpi xmlns="" xmlns:a14="http://schemas.microsoft.com/office/drawing/2010/main" val="0"/>
+                <a14:useLocalDpi xmlns:a14="http://schemas.microsoft.com/office/drawing/2010/main" val="0"/>
               </a:ext>
             </a:extLst>
           </a:blip>
@@ -3213,14 +3213,14 @@
           </a:ln>
           <a:extLst>
             <a:ext uri="{909E8E84-426E-40DD-AFC4-6F175D3DCCD1}">
-              <a14:hiddenFill xmlns="" xmlns:a14="http://schemas.microsoft.com/office/drawing/2010/main">
+              <a14:hiddenFill xmlns:a14="http://schemas.microsoft.com/office/drawing/2010/main">
                 <a:solidFill>
                   <a:srgbClr val="FFFFFF"/>
                 </a:solidFill>
               </a14:hiddenFill>
             </a:ext>
             <a:ext uri="{91240B29-F687-4F45-9708-019B960494DF}">
-              <a14:hiddenLine xmlns="" xmlns:a14="http://schemas.microsoft.com/office/drawing/2010/main" w="9525">
+              <a14:hiddenLine xmlns:a14="http://schemas.microsoft.com/office/drawing/2010/main" w="9525">
                 <a:solidFill>
                   <a:srgbClr val="000000"/>
                 </a:solidFill>
@@ -3347,7 +3347,7 @@
     </p:spTree>
     <p:extLst>
       <p:ext uri="{BB962C8B-B14F-4D97-AF65-F5344CB8AC3E}">
-        <p14:creationId xmlns="" xmlns:p14="http://schemas.microsoft.com/office/powerpoint/2010/main" val="239423339"/>
+        <p14:creationId xmlns:p14="http://schemas.microsoft.com/office/powerpoint/2010/main" val="239423339"/>
       </p:ext>
     </p:extLst>
   </p:cSld>
@@ -3386,7 +3386,7 @@
           <a:blip r:embed="rId2">
             <a:extLst>
               <a:ext uri="{28A0092B-C50C-407E-A947-70E740481C1C}">
-                <a14:useLocalDpi xmlns="" xmlns:a14="http://schemas.microsoft.com/office/drawing/2010/main" val="0"/>
+                <a14:useLocalDpi xmlns:a14="http://schemas.microsoft.com/office/drawing/2010/main" val="0"/>
               </a:ext>
             </a:extLst>
           </a:blip>
@@ -3409,14 +3409,14 @@
           </a:ln>
           <a:extLst>
             <a:ext uri="{909E8E84-426E-40DD-AFC4-6F175D3DCCD1}">
-              <a14:hiddenFill xmlns="" xmlns:a14="http://schemas.microsoft.com/office/drawing/2010/main">
+              <a14:hiddenFill xmlns:a14="http://schemas.microsoft.com/office/drawing/2010/main">
                 <a:solidFill>
                   <a:srgbClr val="FFFFFF"/>
                 </a:solidFill>
               </a14:hiddenFill>
             </a:ext>
             <a:ext uri="{91240B29-F687-4F45-9708-019B960494DF}">
-              <a14:hiddenLine xmlns="" xmlns:a14="http://schemas.microsoft.com/office/drawing/2010/main" w="9525">
+              <a14:hiddenLine xmlns:a14="http://schemas.microsoft.com/office/drawing/2010/main" w="9525">
                 <a:solidFill>
                   <a:srgbClr val="000000"/>
                 </a:solidFill>
@@ -3440,7 +3440,7 @@
           <a:blip r:embed="rId3">
             <a:extLst>
               <a:ext uri="{28A0092B-C50C-407E-A947-70E740481C1C}">
-                <a14:useLocalDpi xmlns="" xmlns:a14="http://schemas.microsoft.com/office/drawing/2010/main" val="0"/>
+                <a14:useLocalDpi xmlns:a14="http://schemas.microsoft.com/office/drawing/2010/main" val="0"/>
               </a:ext>
             </a:extLst>
           </a:blip>
@@ -3463,14 +3463,14 @@
           </a:ln>
           <a:extLst>
             <a:ext uri="{909E8E84-426E-40DD-AFC4-6F175D3DCCD1}">
-              <a14:hiddenFill xmlns="" xmlns:a14="http://schemas.microsoft.com/office/drawing/2010/main">
+              <a14:hiddenFill xmlns:a14="http://schemas.microsoft.com/office/drawing/2010/main">
                 <a:solidFill>
                   <a:srgbClr val="FFFFFF"/>
                 </a:solidFill>
               </a14:hiddenFill>
             </a:ext>
             <a:ext uri="{91240B29-F687-4F45-9708-019B960494DF}">
-              <a14:hiddenLine xmlns="" xmlns:a14="http://schemas.microsoft.com/office/drawing/2010/main" w="9525">
+              <a14:hiddenLine xmlns:a14="http://schemas.microsoft.com/office/drawing/2010/main" w="9525">
                 <a:solidFill>
                   <a:srgbClr val="000000"/>
                 </a:solidFill>
@@ -3589,7 +3589,7 @@
     </p:spTree>
     <p:extLst>
       <p:ext uri="{BB962C8B-B14F-4D97-AF65-F5344CB8AC3E}">
-        <p14:creationId xmlns="" xmlns:p14="http://schemas.microsoft.com/office/powerpoint/2010/main" val="2869513180"/>
+        <p14:creationId xmlns:p14="http://schemas.microsoft.com/office/powerpoint/2010/main" val="2869513180"/>
       </p:ext>
     </p:extLst>
   </p:cSld>
@@ -3628,7 +3628,7 @@
           <a:blip r:embed="rId2">
             <a:extLst>
               <a:ext uri="{28A0092B-C50C-407E-A947-70E740481C1C}">
-                <a14:useLocalDpi xmlns="" xmlns:a14="http://schemas.microsoft.com/office/drawing/2010/main" val="0"/>
+                <a14:useLocalDpi xmlns:a14="http://schemas.microsoft.com/office/drawing/2010/main" val="0"/>
               </a:ext>
             </a:extLst>
           </a:blip>
@@ -3651,14 +3651,14 @@
           </a:ln>
           <a:extLst>
             <a:ext uri="{909E8E84-426E-40DD-AFC4-6F175D3DCCD1}">
-              <a14:hiddenFill xmlns="" xmlns:a14="http://schemas.microsoft.com/office/drawing/2010/main">
+              <a14:hiddenFill xmlns:a14="http://schemas.microsoft.com/office/drawing/2010/main">
                 <a:solidFill>
                   <a:srgbClr val="FFFFFF"/>
                 </a:solidFill>
               </a14:hiddenFill>
             </a:ext>
             <a:ext uri="{91240B29-F687-4F45-9708-019B960494DF}">
-              <a14:hiddenLine xmlns="" xmlns:a14="http://schemas.microsoft.com/office/drawing/2010/main" w="9525">
+              <a14:hiddenLine xmlns:a14="http://schemas.microsoft.com/office/drawing/2010/main" w="9525">
                 <a:solidFill>
                   <a:srgbClr val="000000"/>
                 </a:solidFill>
@@ -3835,7 +3835,7 @@
     </p:spTree>
     <p:extLst>
       <p:ext uri="{BB962C8B-B14F-4D97-AF65-F5344CB8AC3E}">
-        <p14:creationId xmlns="" xmlns:p14="http://schemas.microsoft.com/office/powerpoint/2010/main" val="3387104456"/>
+        <p14:creationId xmlns:p14="http://schemas.microsoft.com/office/powerpoint/2010/main" val="3387104456"/>
       </p:ext>
     </p:extLst>
   </p:cSld>
@@ -3874,7 +3874,7 @@
           <a:blip r:embed="rId2">
             <a:extLst>
               <a:ext uri="{28A0092B-C50C-407E-A947-70E740481C1C}">
-                <a14:useLocalDpi xmlns="" xmlns:a14="http://schemas.microsoft.com/office/drawing/2010/main" val="0"/>
+                <a14:useLocalDpi xmlns:a14="http://schemas.microsoft.com/office/drawing/2010/main" val="0"/>
               </a:ext>
             </a:extLst>
           </a:blip>
@@ -3897,14 +3897,14 @@
           </a:ln>
           <a:extLst>
             <a:ext uri="{909E8E84-426E-40DD-AFC4-6F175D3DCCD1}">
-              <a14:hiddenFill xmlns="" xmlns:a14="http://schemas.microsoft.com/office/drawing/2010/main">
+              <a14:hiddenFill xmlns:a14="http://schemas.microsoft.com/office/drawing/2010/main">
                 <a:solidFill>
                   <a:srgbClr val="FFFFFF"/>
                 </a:solidFill>
               </a14:hiddenFill>
             </a:ext>
             <a:ext uri="{91240B29-F687-4F45-9708-019B960494DF}">
-              <a14:hiddenLine xmlns="" xmlns:a14="http://schemas.microsoft.com/office/drawing/2010/main" w="9525">
+              <a14:hiddenLine xmlns:a14="http://schemas.microsoft.com/office/drawing/2010/main" w="9525">
                 <a:solidFill>
                   <a:srgbClr val="000000"/>
                 </a:solidFill>
@@ -3928,7 +3928,7 @@
           <a:blip r:embed="rId3">
             <a:extLst>
               <a:ext uri="{28A0092B-C50C-407E-A947-70E740481C1C}">
-                <a14:useLocalDpi xmlns="" xmlns:a14="http://schemas.microsoft.com/office/drawing/2010/main" val="0"/>
+                <a14:useLocalDpi xmlns:a14="http://schemas.microsoft.com/office/drawing/2010/main" val="0"/>
               </a:ext>
             </a:extLst>
           </a:blip>
@@ -3951,14 +3951,14 @@
           </a:ln>
           <a:extLst>
             <a:ext uri="{909E8E84-426E-40DD-AFC4-6F175D3DCCD1}">
-              <a14:hiddenFill xmlns="" xmlns:a14="http://schemas.microsoft.com/office/drawing/2010/main">
+              <a14:hiddenFill xmlns:a14="http://schemas.microsoft.com/office/drawing/2010/main">
                 <a:solidFill>
                   <a:srgbClr val="FFFFFF"/>
                 </a:solidFill>
               </a14:hiddenFill>
             </a:ext>
             <a:ext uri="{91240B29-F687-4F45-9708-019B960494DF}">
-              <a14:hiddenLine xmlns="" xmlns:a14="http://schemas.microsoft.com/office/drawing/2010/main" w="9525">
+              <a14:hiddenLine xmlns:a14="http://schemas.microsoft.com/office/drawing/2010/main" w="9525">
                 <a:solidFill>
                   <a:srgbClr val="000000"/>
                 </a:solidFill>
@@ -4260,7 +4260,7 @@
     </p:spTree>
     <p:extLst>
       <p:ext uri="{BB962C8B-B14F-4D97-AF65-F5344CB8AC3E}">
-        <p14:creationId xmlns="" xmlns:p14="http://schemas.microsoft.com/office/powerpoint/2010/main" val="4259862217"/>
+        <p14:creationId xmlns:p14="http://schemas.microsoft.com/office/powerpoint/2010/main" val="4259862217"/>
       </p:ext>
     </p:extLst>
   </p:cSld>
@@ -4299,7 +4299,7 @@
           <a:blip r:embed="rId2">
             <a:extLst>
               <a:ext uri="{28A0092B-C50C-407E-A947-70E740481C1C}">
-                <a14:useLocalDpi xmlns="" xmlns:a14="http://schemas.microsoft.com/office/drawing/2010/main" val="0"/>
+                <a14:useLocalDpi xmlns:a14="http://schemas.microsoft.com/office/drawing/2010/main" val="0"/>
               </a:ext>
             </a:extLst>
           </a:blip>
@@ -4322,14 +4322,14 @@
           </a:ln>
           <a:extLst>
             <a:ext uri="{909E8E84-426E-40DD-AFC4-6F175D3DCCD1}">
-              <a14:hiddenFill xmlns="" xmlns:a14="http://schemas.microsoft.com/office/drawing/2010/main">
+              <a14:hiddenFill xmlns:a14="http://schemas.microsoft.com/office/drawing/2010/main">
                 <a:solidFill>
                   <a:srgbClr val="FFFFFF"/>
                 </a:solidFill>
               </a14:hiddenFill>
             </a:ext>
             <a:ext uri="{91240B29-F687-4F45-9708-019B960494DF}">
-              <a14:hiddenLine xmlns="" xmlns:a14="http://schemas.microsoft.com/office/drawing/2010/main" w="9525">
+              <a14:hiddenLine xmlns:a14="http://schemas.microsoft.com/office/drawing/2010/main" w="9525">
                 <a:solidFill>
                   <a:srgbClr val="000000"/>
                 </a:solidFill>
@@ -4353,7 +4353,7 @@
           <a:blip r:embed="rId3">
             <a:extLst>
               <a:ext uri="{28A0092B-C50C-407E-A947-70E740481C1C}">
-                <a14:useLocalDpi xmlns="" xmlns:a14="http://schemas.microsoft.com/office/drawing/2010/main" val="0"/>
+                <a14:useLocalDpi xmlns:a14="http://schemas.microsoft.com/office/drawing/2010/main" val="0"/>
               </a:ext>
             </a:extLst>
           </a:blip>
@@ -4376,14 +4376,14 @@
           </a:ln>
           <a:extLst>
             <a:ext uri="{909E8E84-426E-40DD-AFC4-6F175D3DCCD1}">
-              <a14:hiddenFill xmlns="" xmlns:a14="http://schemas.microsoft.com/office/drawing/2010/main">
+              <a14:hiddenFill xmlns:a14="http://schemas.microsoft.com/office/drawing/2010/main">
                 <a:solidFill>
                   <a:srgbClr val="FFFFFF"/>
                 </a:solidFill>
               </a14:hiddenFill>
             </a:ext>
             <a:ext uri="{91240B29-F687-4F45-9708-019B960494DF}">
-              <a14:hiddenLine xmlns="" xmlns:a14="http://schemas.microsoft.com/office/drawing/2010/main" w="9525">
+              <a14:hiddenLine xmlns:a14="http://schemas.microsoft.com/office/drawing/2010/main" w="9525">
                 <a:solidFill>
                   <a:srgbClr val="000000"/>
                 </a:solidFill>
@@ -4551,7 +4551,7 @@
     </p:spTree>
     <p:extLst>
       <p:ext uri="{BB962C8B-B14F-4D97-AF65-F5344CB8AC3E}">
-        <p14:creationId xmlns="" xmlns:p14="http://schemas.microsoft.com/office/powerpoint/2010/main" val="2959976224"/>
+        <p14:creationId xmlns:p14="http://schemas.microsoft.com/office/powerpoint/2010/main" val="2959976224"/>
       </p:ext>
     </p:extLst>
   </p:cSld>
@@ -4581,7 +4581,7 @@
     </p:spTree>
     <p:extLst>
       <p:ext uri="{BB962C8B-B14F-4D97-AF65-F5344CB8AC3E}">
-        <p14:creationId xmlns="" xmlns:p14="http://schemas.microsoft.com/office/powerpoint/2010/main" val="2147773650"/>
+        <p14:creationId xmlns:p14="http://schemas.microsoft.com/office/powerpoint/2010/main" val="2147773650"/>
       </p:ext>
     </p:extLst>
   </p:cSld>
@@ -4620,7 +4620,7 @@
           <a:blip r:embed="rId2">
             <a:extLst>
               <a:ext uri="{28A0092B-C50C-407E-A947-70E740481C1C}">
-                <a14:useLocalDpi xmlns="" xmlns:a14="http://schemas.microsoft.com/office/drawing/2010/main" val="0"/>
+                <a14:useLocalDpi xmlns:a14="http://schemas.microsoft.com/office/drawing/2010/main" val="0"/>
               </a:ext>
             </a:extLst>
           </a:blip>
@@ -4643,14 +4643,14 @@
           </a:ln>
           <a:extLst>
             <a:ext uri="{909E8E84-426E-40DD-AFC4-6F175D3DCCD1}">
-              <a14:hiddenFill xmlns="" xmlns:a14="http://schemas.microsoft.com/office/drawing/2010/main">
+              <a14:hiddenFill xmlns:a14="http://schemas.microsoft.com/office/drawing/2010/main">
                 <a:solidFill>
                   <a:srgbClr val="FFFFFF"/>
                 </a:solidFill>
               </a14:hiddenFill>
             </a:ext>
             <a:ext uri="{91240B29-F687-4F45-9708-019B960494DF}">
-              <a14:hiddenLine xmlns="" xmlns:a14="http://schemas.microsoft.com/office/drawing/2010/main" w="9525">
+              <a14:hiddenLine xmlns:a14="http://schemas.microsoft.com/office/drawing/2010/main" w="9525">
                 <a:solidFill>
                   <a:srgbClr val="000000"/>
                 </a:solidFill>
@@ -4674,7 +4674,7 @@
           <a:blip r:embed="rId3">
             <a:extLst>
               <a:ext uri="{28A0092B-C50C-407E-A947-70E740481C1C}">
-                <a14:useLocalDpi xmlns="" xmlns:a14="http://schemas.microsoft.com/office/drawing/2010/main" val="0"/>
+                <a14:useLocalDpi xmlns:a14="http://schemas.microsoft.com/office/drawing/2010/main" val="0"/>
               </a:ext>
             </a:extLst>
           </a:blip>
@@ -4697,14 +4697,14 @@
           </a:ln>
           <a:extLst>
             <a:ext uri="{909E8E84-426E-40DD-AFC4-6F175D3DCCD1}">
-              <a14:hiddenFill xmlns="" xmlns:a14="http://schemas.microsoft.com/office/drawing/2010/main">
+              <a14:hiddenFill xmlns:a14="http://schemas.microsoft.com/office/drawing/2010/main">
                 <a:solidFill>
                   <a:srgbClr val="FFFFFF"/>
                 </a:solidFill>
               </a14:hiddenFill>
             </a:ext>
             <a:ext uri="{91240B29-F687-4F45-9708-019B960494DF}">
-              <a14:hiddenLine xmlns="" xmlns:a14="http://schemas.microsoft.com/office/drawing/2010/main" w="9525">
+              <a14:hiddenLine xmlns:a14="http://schemas.microsoft.com/office/drawing/2010/main" w="9525">
                 <a:solidFill>
                   <a:srgbClr val="000000"/>
                 </a:solidFill>
@@ -4757,7 +4757,7 @@
     </p:spTree>
     <p:extLst>
       <p:ext uri="{BB962C8B-B14F-4D97-AF65-F5344CB8AC3E}">
-        <p14:creationId xmlns="" xmlns:p14="http://schemas.microsoft.com/office/powerpoint/2010/main" val="3032675394"/>
+        <p14:creationId xmlns:p14="http://schemas.microsoft.com/office/powerpoint/2010/main" val="3032675394"/>
       </p:ext>
     </p:extLst>
   </p:cSld>
@@ -4816,14 +4816,14 @@
           </a:ln>
           <a:extLst>
             <a:ext uri="{909E8E84-426E-40DD-AFC4-6F175D3DCCD1}">
-              <a14:hiddenFill xmlns="" xmlns:a14="http://schemas.microsoft.com/office/drawing/2010/main">
+              <a14:hiddenFill xmlns:a14="http://schemas.microsoft.com/office/drawing/2010/main">
                 <a:solidFill>
                   <a:srgbClr val="FFFFFF"/>
                 </a:solidFill>
               </a14:hiddenFill>
             </a:ext>
             <a:ext uri="{91240B29-F687-4F45-9708-019B960494DF}">
-              <a14:hiddenLine xmlns="" xmlns:a14="http://schemas.microsoft.com/office/drawing/2010/main" w="9525">
+              <a14:hiddenLine xmlns:a14="http://schemas.microsoft.com/office/drawing/2010/main" w="9525">
                 <a:solidFill>
                   <a:srgbClr val="000000"/>
                 </a:solidFill>
@@ -4874,14 +4874,14 @@
           </a:ln>
           <a:extLst>
             <a:ext uri="{909E8E84-426E-40DD-AFC4-6F175D3DCCD1}">
-              <a14:hiddenFill xmlns="" xmlns:a14="http://schemas.microsoft.com/office/drawing/2010/main">
+              <a14:hiddenFill xmlns:a14="http://schemas.microsoft.com/office/drawing/2010/main">
                 <a:solidFill>
                   <a:srgbClr val="FFFFFF"/>
                 </a:solidFill>
               </a14:hiddenFill>
             </a:ext>
             <a:ext uri="{91240B29-F687-4F45-9708-019B960494DF}">
-              <a14:hiddenLine xmlns="" xmlns:a14="http://schemas.microsoft.com/office/drawing/2010/main" w="9525">
+              <a14:hiddenLine xmlns:a14="http://schemas.microsoft.com/office/drawing/2010/main" w="9525">
                 <a:solidFill>
                   <a:srgbClr val="000000"/>
                 </a:solidFill>
@@ -4985,7 +4985,7 @@
               <a:pPr>
                 <a:defRPr/>
               </a:pPr>
-              <a:t>4/16/2015</a:t>
+              <a:t>4/26/2015</a:t>
             </a:fld>
             <a:endParaRPr lang="en-US" dirty="0"/>
           </a:p>
@@ -5091,7 +5091,7 @@
     </p:spTree>
     <p:extLst>
       <p:ext uri="{BB962C8B-B14F-4D97-AF65-F5344CB8AC3E}">
-        <p14:creationId xmlns="" xmlns:p14="http://schemas.microsoft.com/office/powerpoint/2010/main" val="1437100149"/>
+        <p14:creationId xmlns:p14="http://schemas.microsoft.com/office/powerpoint/2010/main" val="1437100149"/>
       </p:ext>
     </p:extLst>
   </p:cSld>
@@ -5543,11 +5543,7 @@
             </a:pPr>
             <a:r>
               <a:rPr lang="en" sz="3000" dirty="0" smtClean="0"/>
-              <a:t>Handling Exceptions</a:t>
-            </a:r>
-            <a:r>
-              <a:rPr lang="en" sz="3000" dirty="0" smtClean="0"/>
-              <a:t> </a:t>
+              <a:t>Handling Exceptions </a:t>
             </a:r>
             <a:endParaRPr lang="en" sz="3000" dirty="0"/>
           </a:p>
@@ -6390,11 +6386,7 @@
             </a:pPr>
             <a:r>
               <a:rPr lang="en-US" sz="2000" dirty="0" smtClean="0"/>
-              <a:t> </a:t>
-            </a:r>
-            <a:r>
-              <a:rPr lang="en-US" sz="2000" dirty="0" smtClean="0"/>
-              <a:t>It's the perfect place to perform cleanup.</a:t>
+              <a:t> It's the perfect place to perform cleanup.</a:t>
             </a:r>
           </a:p>
           <a:p>
@@ -6414,11 +6406,7 @@
             </a:pPr>
             <a:r>
               <a:rPr lang="en-US" sz="2000" dirty="0" smtClean="0"/>
-              <a:t> The </a:t>
-            </a:r>
-            <a:r>
-              <a:rPr lang="en-US" sz="2000" dirty="0" smtClean="0"/>
-              <a:t>finally block is a key tool for preventing resource leaks.</a:t>
+              <a:t> The finally block is a key tool for preventing resource leaks.</a:t>
             </a:r>
           </a:p>
           <a:p>
@@ -6628,25 +6616,8 @@
             </a:pPr>
             <a:r>
               <a:rPr lang="en-US" sz="2000" dirty="0" smtClean="0"/>
-              <a:t>	 The try-with-resources statement i</a:t>
-            </a:r>
-            <a:r>
-              <a:rPr lang="en-US" sz="2000" dirty="0" smtClean="0"/>
-              <a:t>s </a:t>
-            </a:r>
-            <a:r>
-              <a:rPr lang="en-US" sz="2000" dirty="0" smtClean="0"/>
-              <a:t>a try </a:t>
-            </a:r>
-            <a:r>
-              <a:rPr lang="en-US" sz="2000" dirty="0" smtClean="0"/>
-              <a:t>statement </a:t>
-            </a:r>
-            <a:r>
-              <a:rPr lang="en-US" sz="2000" dirty="0" smtClean="0"/>
-              <a:t>that declares one or more resources. </a:t>
-            </a:r>
-            <a:endParaRPr lang="en-US" sz="2000" dirty="0" smtClean="0"/>
+              <a:t>	 The try-with-resources statement is a try statement that declares one or more resources. </a:t>
+            </a:r>
           </a:p>
           <a:p>
             <a:pPr marL="76200">
@@ -6680,15 +6651,7 @@
             </a:pPr>
             <a:r>
               <a:rPr lang="en-US" sz="2000" dirty="0" smtClean="0"/>
-              <a:t>	 </a:t>
-            </a:r>
-            <a:r>
-              <a:rPr lang="en-US" sz="2000" dirty="0" smtClean="0"/>
-              <a:t>Java SE 7 and </a:t>
-            </a:r>
-            <a:r>
-              <a:rPr lang="en-US" sz="2000" dirty="0" smtClean="0"/>
-              <a:t>later</a:t>
+              <a:t>	 Java SE 7 and later</a:t>
             </a:r>
           </a:p>
           <a:p>
@@ -6871,11 +6834,6 @@
               </a:rPr>
               <a:t>The try-with-resources statement :</a:t>
             </a:r>
-            <a:endParaRPr lang="en-US" sz="2000" dirty="0" smtClean="0">
-              <a:solidFill>
-                <a:srgbClr val="FF0000"/>
-              </a:solidFill>
-            </a:endParaRPr>
           </a:p>
           <a:p>
             <a:pPr lvl="1">
@@ -6885,7 +6843,6 @@
               <a:rPr lang="en-US" sz="1800" b="1" dirty="0" smtClean="0"/>
               <a:t>After Java 1.7:</a:t>
             </a:r>
-            <a:endParaRPr lang="en-US" sz="1800" b="1" dirty="0" smtClean="0"/>
           </a:p>
           <a:p>
             <a:pPr lvl="1">
@@ -6962,7 +6919,6 @@
               <a:rPr lang="en-US" sz="1800" dirty="0" smtClean="0"/>
               <a:t>}</a:t>
             </a:r>
-            <a:endParaRPr lang="en-US" sz="1800" dirty="0" smtClean="0"/>
           </a:p>
           <a:p>
             <a:pPr lvl="1">
@@ -7196,7 +7152,7 @@
     </p:spTree>
     <p:extLst>
       <p:ext uri="{BB962C8B-B14F-4D97-AF65-F5344CB8AC3E}">
-        <p14:creationId xmlns="" xmlns:p14="http://schemas.microsoft.com/office/powerpoint/2010/main" val="3572813602"/>
+        <p14:creationId xmlns:p14="http://schemas.microsoft.com/office/powerpoint/2010/main" val="3572813602"/>
       </p:ext>
     </p:extLst>
   </p:cSld>
@@ -7659,7 +7615,7 @@
     </p:spTree>
     <p:extLst>
       <p:ext uri="{BB962C8B-B14F-4D97-AF65-F5344CB8AC3E}">
-        <p14:creationId xmlns="" xmlns:p14="http://schemas.microsoft.com/office/powerpoint/2010/main" val="2724793115"/>
+        <p14:creationId xmlns:p14="http://schemas.microsoft.com/office/powerpoint/2010/main" val="2724793115"/>
       </p:ext>
     </p:extLst>
   </p:cSld>
@@ -7942,7 +7898,7 @@
     </p:spTree>
     <p:extLst>
       <p:ext uri="{BB962C8B-B14F-4D97-AF65-F5344CB8AC3E}">
-        <p14:creationId xmlns="" xmlns:p14="http://schemas.microsoft.com/office/powerpoint/2010/main" val="3913964719"/>
+        <p14:creationId xmlns:p14="http://schemas.microsoft.com/office/powerpoint/2010/main" val="3913964719"/>
       </p:ext>
     </p:extLst>
   </p:cSld>
@@ -7998,11 +7954,7 @@
           <a:p>
             <a:r>
               <a:rPr lang="en-US" sz="2800" dirty="0" smtClean="0"/>
-              <a:t>Accessing stack trace information</a:t>
-            </a:r>
-            <a:r>
-              <a:rPr lang="en-US" sz="2800" dirty="0" smtClean="0"/>
-              <a:t> </a:t>
+              <a:t>Accessing stack trace information </a:t>
             </a:r>
             <a:endParaRPr lang="en-US" sz="2800" dirty="0"/>
           </a:p>
@@ -8034,7 +7986,7 @@
     </p:spTree>
     <p:extLst>
       <p:ext uri="{BB962C8B-B14F-4D97-AF65-F5344CB8AC3E}">
-        <p14:creationId xmlns="" xmlns:p14="http://schemas.microsoft.com/office/powerpoint/2010/main" val="1513343345"/>
+        <p14:creationId xmlns:p14="http://schemas.microsoft.com/office/powerpoint/2010/main" val="1513343345"/>
       </p:ext>
     </p:extLst>
   </p:cSld>
@@ -8179,11 +8131,7 @@
             </a:pPr>
             <a:r>
               <a:rPr lang="en" sz="2400" dirty="0" smtClean="0"/>
-              <a:t>Types</a:t>
-            </a:r>
-            <a:r>
-              <a:rPr lang="en" sz="2400" dirty="0" smtClean="0"/>
-              <a:t> of exceptions</a:t>
+              <a:t>Types of exceptions</a:t>
             </a:r>
           </a:p>
           <a:p>
@@ -8243,8 +8191,17 @@
             </a:pPr>
             <a:r>
               <a:rPr lang="en" sz="2400" dirty="0" smtClean="0"/>
-              <a:t>Chained exceptions</a:t>
-            </a:r>
+              <a:t>Chained </a:t>
+            </a:r>
+            <a:r>
+              <a:rPr lang="ro-RO" sz="2400" dirty="0" smtClean="0"/>
+              <a:t>e</a:t>
+            </a:r>
+            <a:r>
+              <a:rPr lang="en" sz="2400" dirty="0" smtClean="0"/>
+              <a:t>xceptions</a:t>
+            </a:r>
+            <a:endParaRPr lang="en" sz="2400" dirty="0" smtClean="0"/>
           </a:p>
           <a:p>
             <a:pPr marL="457200" lvl="0" indent="-381000">
@@ -8273,6 +8230,10 @@
               </a:spcBef>
               <a:buNone/>
             </a:pPr>
+            <a:r>
+              <a:rPr lang="ro-RO" sz="2400" smtClean="0"/>
+              <a:t>...</a:t>
+            </a:r>
             <a:endParaRPr sz="2400" dirty="0"/>
           </a:p>
           <a:p>
@@ -8357,11 +8318,7 @@
             </a:pPr>
             <a:r>
               <a:rPr lang="en" sz="2300" dirty="0" smtClean="0"/>
-              <a:t>Accessing stack trace information</a:t>
-            </a:r>
-            <a:r>
-              <a:rPr lang="en" sz="2300" dirty="0" smtClean="0"/>
-              <a:t> </a:t>
+              <a:t>Accessing stack trace information </a:t>
             </a:r>
             <a:endParaRPr lang="en" sz="2300" dirty="0"/>
           </a:p>
@@ -8576,7 +8533,7 @@
     </p:spTree>
     <p:extLst>
       <p:ext uri="{BB962C8B-B14F-4D97-AF65-F5344CB8AC3E}">
-        <p14:creationId xmlns="" xmlns:p14="http://schemas.microsoft.com/office/powerpoint/2010/main" val="820782186"/>
+        <p14:creationId xmlns:p14="http://schemas.microsoft.com/office/powerpoint/2010/main" val="820782186"/>
       </p:ext>
     </p:extLst>
   </p:cSld>
@@ -8650,7 +8607,7 @@
     </p:spTree>
     <p:extLst>
       <p:ext uri="{BB962C8B-B14F-4D97-AF65-F5344CB8AC3E}">
-        <p14:creationId xmlns="" xmlns:p14="http://schemas.microsoft.com/office/powerpoint/2010/main" val="2630747278"/>
+        <p14:creationId xmlns:p14="http://schemas.microsoft.com/office/powerpoint/2010/main" val="2630747278"/>
       </p:ext>
     </p:extLst>
   </p:cSld>
@@ -8725,7 +8682,7 @@
     </p:spTree>
     <p:extLst>
       <p:ext uri="{BB962C8B-B14F-4D97-AF65-F5344CB8AC3E}">
-        <p14:creationId xmlns="" xmlns:p14="http://schemas.microsoft.com/office/powerpoint/2010/main" val="3263112158"/>
+        <p14:creationId xmlns:p14="http://schemas.microsoft.com/office/powerpoint/2010/main" val="3263112158"/>
       </p:ext>
     </p:extLst>
   </p:cSld>
@@ -8813,7 +8770,7 @@
     </p:spTree>
     <p:extLst>
       <p:ext uri="{BB962C8B-B14F-4D97-AF65-F5344CB8AC3E}">
-        <p14:creationId xmlns="" xmlns:p14="http://schemas.microsoft.com/office/powerpoint/2010/main" val="1083491575"/>
+        <p14:creationId xmlns:p14="http://schemas.microsoft.com/office/powerpoint/2010/main" val="1083491575"/>
       </p:ext>
     </p:extLst>
   </p:cSld>
@@ -8880,11 +8837,7 @@
             </a:pPr>
             <a:r>
               <a:rPr lang="en" sz="2300" dirty="0" smtClean="0"/>
-              <a:t>What is </a:t>
-            </a:r>
-            <a:r>
-              <a:rPr lang="en" sz="2300" dirty="0" smtClean="0"/>
-              <a:t>an exception?(1)</a:t>
+              <a:t>What is an exception?(1)</a:t>
             </a:r>
             <a:endParaRPr lang="en" sz="2300" dirty="0"/>
           </a:p>
@@ -8945,11 +8898,7 @@
             </a:r>
             <a:r>
               <a:rPr lang="en-US" sz="2000" dirty="0" smtClean="0"/>
-              <a:t>is an event, which occurs during the execution of a program, that disrupts the normal flow of the program's instructions</a:t>
-            </a:r>
-            <a:r>
-              <a:rPr lang="en-US" sz="2000" dirty="0" smtClean="0"/>
-              <a:t>.</a:t>
+              <a:t>is an event, which occurs during the execution of a program, that disrupts the normal flow of the program's instructions.</a:t>
             </a:r>
           </a:p>
           <a:p>
@@ -8984,7 +8933,6 @@
               <a:rPr lang="en-US" sz="2000" dirty="0" smtClean="0"/>
               <a:t>	 When an error occurs within a method, the method creates an object and hands it off to the runtime system. </a:t>
             </a:r>
-            <a:endParaRPr lang="en-US" sz="2000" dirty="0" smtClean="0"/>
           </a:p>
           <a:p>
             <a:pPr marL="76200">
@@ -9016,11 +8964,7 @@
             </a:pPr>
             <a:r>
               <a:rPr lang="en-US" sz="2000" dirty="0" smtClean="0"/>
-              <a:t>	</a:t>
-            </a:r>
-            <a:r>
-              <a:rPr lang="en-US" sz="2000" dirty="0" smtClean="0"/>
-              <a:t> The object, called an </a:t>
+              <a:t>	 The object, called an </a:t>
             </a:r>
             <a:r>
               <a:rPr lang="en-US" sz="2000" i="1" dirty="0" smtClean="0">
@@ -9032,11 +8976,7 @@
             </a:r>
             <a:r>
               <a:rPr lang="en-US" sz="2000" dirty="0" smtClean="0"/>
-              <a:t>, contains information about the error, including its type and the state of the program when the error occurred</a:t>
-            </a:r>
-            <a:r>
-              <a:rPr lang="en-US" sz="2000" dirty="0" smtClean="0"/>
-              <a:t>.</a:t>
+              <a:t>, contains information about the error, including its type and the state of the program when the error occurred.</a:t>
             </a:r>
           </a:p>
           <a:p>
@@ -9069,11 +9009,7 @@
             </a:pPr>
             <a:r>
               <a:rPr lang="en-US" sz="2000" dirty="0" smtClean="0"/>
-              <a:t>	</a:t>
-            </a:r>
-            <a:r>
-              <a:rPr lang="en-US" sz="2000" dirty="0" smtClean="0"/>
-              <a:t> Creating an exception object and handing it to the runtime system is called </a:t>
+              <a:t>	 Creating an exception object and handing it to the runtime system is called </a:t>
             </a:r>
             <a:r>
               <a:rPr lang="en-US" sz="2000" i="1" dirty="0" smtClean="0">
@@ -9087,7 +9023,6 @@
               <a:rPr lang="en-US" sz="2000" dirty="0" smtClean="0"/>
               <a:t>.</a:t>
             </a:r>
-            <a:endParaRPr lang="en-US" sz="2000" dirty="0" smtClean="0"/>
           </a:p>
           <a:p>
             <a:pPr marL="76200">
@@ -9191,11 +9126,7 @@
             </a:pPr>
             <a:r>
               <a:rPr lang="en" sz="2300" dirty="0" smtClean="0"/>
-              <a:t>What is </a:t>
-            </a:r>
-            <a:r>
-              <a:rPr lang="en" sz="2300" dirty="0" smtClean="0"/>
-              <a:t>an exception? (2)</a:t>
+              <a:t>What is an exception? (2)</a:t>
             </a:r>
             <a:endParaRPr lang="en" sz="2300" dirty="0"/>
           </a:p>
@@ -9238,7 +9169,6 @@
               <a:rPr lang="en-US" sz="2000" dirty="0" smtClean="0"/>
               <a:t>	</a:t>
             </a:r>
-            <a:endParaRPr lang="en-US" sz="2000" dirty="0" smtClean="0"/>
           </a:p>
           <a:p>
             <a:pPr marL="76200">
@@ -9255,15 +9185,7 @@
             </a:pPr>
             <a:r>
               <a:rPr lang="en-US" sz="2000" dirty="0" smtClean="0"/>
-              <a:t>	</a:t>
-            </a:r>
-            <a:r>
-              <a:rPr lang="en-US" sz="2000" dirty="0" smtClean="0"/>
-              <a:t>After </a:t>
-            </a:r>
-            <a:r>
-              <a:rPr lang="en-US" sz="2000" dirty="0" smtClean="0"/>
-              <a:t>a method throws an exception, the runtime system attempts to find something to handle it. The set of possible "</a:t>
+              <a:t>	After a method throws an exception, the runtime system attempts to find something to handle it. The set of possible "</a:t>
             </a:r>
             <a:r>
               <a:rPr lang="en-US" sz="2000" dirty="0" err="1" smtClean="0"/>
@@ -9271,11 +9193,7 @@
             </a:r>
             <a:r>
               <a:rPr lang="en-US" sz="2000" dirty="0" smtClean="0"/>
-              <a:t>" to handle the exception is the ordered list of methods that had been called to get to the method where the error occurred. The list of methods is known as </a:t>
-            </a:r>
-            <a:r>
-              <a:rPr lang="en-US" sz="2000" dirty="0" smtClean="0"/>
-              <a:t>the</a:t>
+              <a:t>" to handle the exception is the ordered list of methods that had been called to get to the method where the error occurred. The list of methods is known as the</a:t>
             </a:r>
             <a:r>
               <a:rPr lang="en-US" sz="2000" i="1" dirty="0" smtClean="0">
@@ -9283,15 +9201,7 @@
                   <a:srgbClr val="FF0000"/>
                 </a:solidFill>
               </a:rPr>
-              <a:t> </a:t>
-            </a:r>
-            <a:r>
-              <a:rPr lang="en-US" sz="2000" i="1" dirty="0" smtClean="0">
-                <a:solidFill>
-                  <a:srgbClr val="FF0000"/>
-                </a:solidFill>
-              </a:rPr>
-              <a:t>call stack</a:t>
+              <a:t> call stack</a:t>
             </a:r>
             <a:r>
               <a:rPr lang="en-US" sz="2000" dirty="0" smtClean="0">
@@ -9299,15 +9209,7 @@
                   <a:srgbClr val="FF0000"/>
                 </a:solidFill>
               </a:rPr>
-              <a:t> </a:t>
-            </a:r>
-            <a:r>
-              <a:rPr lang="en-US" sz="2000" dirty="0" smtClean="0">
-                <a:solidFill>
-                  <a:srgbClr val="FF0000"/>
-                </a:solidFill>
-              </a:rPr>
-              <a:t>.</a:t>
+              <a:t> .</a:t>
             </a:r>
           </a:p>
           <a:p>
@@ -9506,11 +9408,7 @@
             </a:pPr>
             <a:r>
               <a:rPr lang="en" sz="2300" dirty="0" smtClean="0"/>
-              <a:t>What is </a:t>
-            </a:r>
-            <a:r>
-              <a:rPr lang="en" sz="2300" dirty="0" smtClean="0"/>
-              <a:t>an exception? (3)</a:t>
+              <a:t>What is an exception? (3)</a:t>
             </a:r>
             <a:endParaRPr lang="en" sz="2300" dirty="0"/>
           </a:p>
@@ -9553,7 +9451,6 @@
               <a:rPr lang="en-US" sz="2000" dirty="0" smtClean="0"/>
               <a:t>	</a:t>
             </a:r>
-            <a:endParaRPr lang="en-US" sz="2000" dirty="0" smtClean="0"/>
           </a:p>
           <a:p>
             <a:pPr marL="76200">
@@ -9572,7 +9469,6 @@
               <a:rPr lang="en-US" sz="2000" dirty="0" smtClean="0"/>
               <a:t>	 The search begins with the method in which the error occurred and proceeds through the call stack in the reverse order in which the methods were called. </a:t>
             </a:r>
-            <a:endParaRPr lang="en-US" sz="2000" dirty="0" smtClean="0"/>
           </a:p>
           <a:p>
             <a:pPr marL="76200">
@@ -9604,13 +9500,8 @@
             </a:pPr>
             <a:r>
               <a:rPr lang="en-US" sz="2000" dirty="0" smtClean="0"/>
-              <a:t>	</a:t>
-            </a:r>
-            <a:r>
-              <a:rPr lang="en-US" sz="2000" dirty="0" smtClean="0"/>
-              <a:t> When an appropriate handler is found, the runtime system passes the exception to the handler. </a:t>
-            </a:r>
-            <a:endParaRPr lang="en-US" sz="2000" dirty="0" smtClean="0"/>
+              <a:t>	 When an appropriate handler is found, the runtime system passes the exception to the handler. </a:t>
+            </a:r>
           </a:p>
           <a:p>
             <a:pPr marL="76200">
@@ -9642,11 +9533,7 @@
             </a:pPr>
             <a:r>
               <a:rPr lang="en-US" sz="2000" dirty="0" smtClean="0"/>
-              <a:t>	</a:t>
-            </a:r>
-            <a:r>
-              <a:rPr lang="en-US" sz="2000" dirty="0" smtClean="0"/>
-              <a:t> An exception handler is considered appropriate if the type of the exception object thrown matches the type that can be handled by the handler. 	</a:t>
+              <a:t>	 An exception handler is considered appropriate if the type of the exception object thrown matches the type that can be handled by the handler. 	</a:t>
             </a:r>
           </a:p>
           <a:p>
@@ -9769,7 +9656,7 @@
     </p:spTree>
     <p:extLst>
       <p:ext uri="{BB962C8B-B14F-4D97-AF65-F5344CB8AC3E}">
-        <p14:creationId xmlns="" xmlns:p14="http://schemas.microsoft.com/office/powerpoint/2010/main" val="2525926754"/>
+        <p14:creationId xmlns:p14="http://schemas.microsoft.com/office/powerpoint/2010/main" val="2525926754"/>
       </p:ext>
     </p:extLst>
   </p:cSld>
@@ -9935,14 +9822,6 @@
               </a:rPr>
               <a:t>	</a:t>
             </a:r>
-            <a:endParaRPr lang="en" sz="1800" dirty="0" smtClean="0">
-              <a:solidFill>
-                <a:schemeClr val="tx1">
-                  <a:lumMod val="65000"/>
-                  <a:lumOff val="35000"/>
-                </a:schemeClr>
-              </a:solidFill>
-            </a:endParaRPr>
           </a:p>
           <a:p>
             <a:pPr lvl="0" rtl="0">
@@ -9958,15 +9837,7 @@
                   <a:srgbClr val="FF0000"/>
                 </a:solidFill>
               </a:rPr>
-              <a:t>	</a:t>
-            </a:r>
-            <a:r>
-              <a:rPr lang="en" sz="1800" dirty="0" smtClean="0">
-                <a:solidFill>
-                  <a:srgbClr val="FF0000"/>
-                </a:solidFill>
-              </a:rPr>
-              <a:t>Checkes exceptions</a:t>
+              <a:t>	Checkes exceptions</a:t>
             </a:r>
           </a:p>
           <a:p>
@@ -10104,14 +9975,14 @@
           </a:ln>
           <a:extLst>
             <a:ext uri="{909E8E84-426E-40DD-AFC4-6F175D3DCCD1}">
-              <a14:hiddenFill xmlns="" xmlns:a14="http://schemas.microsoft.com/office/drawing/2010/main">
+              <a14:hiddenFill xmlns:a14="http://schemas.microsoft.com/office/drawing/2010/main">
                 <a:solidFill>
                   <a:srgbClr val="FFFFFF"/>
                 </a:solidFill>
               </a14:hiddenFill>
             </a:ext>
             <a:ext uri="{91240B29-F687-4F45-9708-019B960494DF}">
-              <a14:hiddenLine xmlns="" xmlns:a14="http://schemas.microsoft.com/office/drawing/2010/main" w="9525">
+              <a14:hiddenLine xmlns:a14="http://schemas.microsoft.com/office/drawing/2010/main" w="9525">
                 <a:solidFill>
                   <a:srgbClr val="000000"/>
                 </a:solidFill>
@@ -10209,7 +10080,7 @@
     </p:spTree>
     <p:extLst>
       <p:ext uri="{BB962C8B-B14F-4D97-AF65-F5344CB8AC3E}">
-        <p14:creationId xmlns="" xmlns:p14="http://schemas.microsoft.com/office/powerpoint/2010/main" val="3474377235"/>
+        <p14:creationId xmlns:p14="http://schemas.microsoft.com/office/powerpoint/2010/main" val="3474377235"/>
       </p:ext>
     </p:extLst>
   </p:cSld>
@@ -10545,7 +10416,7 @@
   <a:extraClrSchemeLst/>
   <a:extLst>
     <a:ext uri="{05A4C25C-085E-4340-85A3-A5531E510DB2}">
-      <thm15:themeFamily xmlns="" xmlns:thm15="http://schemas.microsoft.com/office/thememl/2012/main" name="ENG_Teamnet Group Presentation_june_ 2014.ppt [Compatibility Mode]" id="{4E38FE5A-FB22-4353-B213-4C558403F09A}" vid="{3CD7C979-2E40-4EE5-8B22-6A7321B40C7F}"/>
+      <thm15:themeFamily xmlns:thm15="http://schemas.microsoft.com/office/thememl/2012/main" xmlns="" name="ENG_Teamnet Group Presentation_june_ 2014.ppt [Compatibility Mode]" id="{4E38FE5A-FB22-4353-B213-4C558403F09A}" vid="{3CD7C979-2E40-4EE5-8B22-6A7321B40C7F}"/>
     </a:ext>
   </a:extLst>
 </a:theme>

--- a/KnowYourLanguage/Prezentari/Handling Exceptions.pptx
+++ b/KnowYourLanguage/Prezentari/Handling Exceptions.pptx
@@ -237,7 +237,7 @@
   </p:defaultTextStyle>
   <p:extLst>
     <p:ext uri="{EFAFB233-063F-42B5-8137-9DF3F51BA10A}">
-      <p15:sldGuideLst xmlns:p15="http://schemas.microsoft.com/office/powerpoint/2012/main" xmlns=""/>
+      <p15:sldGuideLst xmlns="" xmlns:p15="http://schemas.microsoft.com/office/powerpoint/2012/main"/>
     </p:ext>
   </p:extLst>
 </p:presentation>
@@ -8201,7 +8201,6 @@
               <a:rPr lang="en" sz="2400" dirty="0" smtClean="0"/>
               <a:t>xceptions</a:t>
             </a:r>
-            <a:endParaRPr lang="en" sz="2400" dirty="0" smtClean="0"/>
           </a:p>
           <a:p>
             <a:pPr marL="457200" lvl="0" indent="-381000">
@@ -8230,10 +8229,6 @@
               </a:spcBef>
               <a:buNone/>
             </a:pPr>
-            <a:r>
-              <a:rPr lang="ro-RO" sz="2400" smtClean="0"/>
-              <a:t>...</a:t>
-            </a:r>
             <a:endParaRPr sz="2400" dirty="0"/>
           </a:p>
           <a:p>
@@ -10416,7 +10411,7 @@
   <a:extraClrSchemeLst/>
   <a:extLst>
     <a:ext uri="{05A4C25C-085E-4340-85A3-A5531E510DB2}">
-      <thm15:themeFamily xmlns:thm15="http://schemas.microsoft.com/office/thememl/2012/main" xmlns="" name="ENG_Teamnet Group Presentation_june_ 2014.ppt [Compatibility Mode]" id="{4E38FE5A-FB22-4353-B213-4C558403F09A}" vid="{3CD7C979-2E40-4EE5-8B22-6A7321B40C7F}"/>
+      <thm15:themeFamily xmlns="" xmlns:thm15="http://schemas.microsoft.com/office/thememl/2012/main" name="ENG_Teamnet Group Presentation_june_ 2014.ppt [Compatibility Mode]" id="{4E38FE5A-FB22-4353-B213-4C558403F09A}" vid="{3CD7C979-2E40-4EE5-8B22-6A7321B40C7F}"/>
     </a:ext>
   </a:extLst>
 </a:theme>
